--- a/OCR updates.pptx
+++ b/OCR updates.pptx
@@ -1,14 +1,14 @@
 
 <file path=ppt/presentation.xml><?xml version="1.0" encoding="utf-8"?>
-<p:presentation xmlns:a="http://schemas.openxmlformats.org/drawingml/2006/main" xmlns:r="http://schemas.openxmlformats.org/officeDocument/2006/relationships" xmlns:p="http://schemas.openxmlformats.org/presentationml/2006/main" saveSubsetFonts="1" autoCompressPictures="0">
+<p:presentation xmlns:a="http://schemas.openxmlformats.org/drawingml/2006/main" xmlns:r="http://schemas.openxmlformats.org/officeDocument/2006/relationships" xmlns:p="http://schemas.openxmlformats.org/presentationml/2006/main" autoCompressPictures="0">
   <p:sldMasterIdLst>
     <p:sldMasterId id="2147483648" r:id="rId1"/>
   </p:sldMasterIdLst>
   <p:sldIdLst>
-    <p:sldId id="256" r:id="rId2"/>
-    <p:sldId id="257" r:id="rId3"/>
-    <p:sldId id="258" r:id="rId4"/>
-    <p:sldId id="259" r:id="rId5"/>
+    <p:sldId id="256" r:id="rId3"/>
+    <p:sldId id="257" r:id="rId4"/>
+    <p:sldId id="258" r:id="rId5"/>
+    <p:sldId id="259" r:id="rId6"/>
   </p:sldIdLst>
   <p:sldSz cx="12192000" cy="6858000"/>
   <p:notesSz cx="6858000" cy="9144000"/>
@@ -129,13 +129,7 @@
       </p:grpSpPr>
       <p:sp>
         <p:nvSpPr>
-          <p:cNvPr id="2" name="Title 1">
-            <a:extLst>
-              <a:ext uri="{FF2B5EF4-FFF2-40B4-BE49-F238E27FC236}">
-                <a16:creationId xmlns:a16="http://schemas.microsoft.com/office/drawing/2014/main" id="{C7FB81D0-2049-C54C-A076-D1D1FC21B954}"/>
-              </a:ext>
-            </a:extLst>
-          </p:cNvPr>
+          <p:cNvPr id="2" name="Title 1"/>
           <p:cNvSpPr>
             <a:spLocks noGrp="1"/>
           </p:cNvSpPr>
@@ -167,13 +161,7 @@
       </p:sp>
       <p:sp>
         <p:nvSpPr>
-          <p:cNvPr id="3" name="Subtitle 2">
-            <a:extLst>
-              <a:ext uri="{FF2B5EF4-FFF2-40B4-BE49-F238E27FC236}">
-                <a16:creationId xmlns:a16="http://schemas.microsoft.com/office/drawing/2014/main" id="{05DE26F9-A513-F74E-8897-54C2863B21FE}"/>
-              </a:ext>
-            </a:extLst>
-          </p:cNvPr>
+          <p:cNvPr id="3" name="Subtitle 2"/>
           <p:cNvSpPr>
             <a:spLocks noGrp="1"/>
           </p:cNvSpPr>
@@ -238,13 +226,7 @@
       </p:sp>
       <p:sp>
         <p:nvSpPr>
-          <p:cNvPr id="4" name="Date Placeholder 3">
-            <a:extLst>
-              <a:ext uri="{FF2B5EF4-FFF2-40B4-BE49-F238E27FC236}">
-                <a16:creationId xmlns:a16="http://schemas.microsoft.com/office/drawing/2014/main" id="{E1E4C650-457F-334B-80CB-FA89644D78FF}"/>
-              </a:ext>
-            </a:extLst>
-          </p:cNvPr>
+          <p:cNvPr id="4" name="Date Placeholder 3"/>
           <p:cNvSpPr>
             <a:spLocks noGrp="1"/>
           </p:cNvSpPr>
@@ -259,7 +241,6 @@
           <a:p>
             <a:fld id="{8A925258-181F-784E-B7B8-A4878EB7D2EF}" type="datetimeFigureOut">
               <a:rPr lang="en-US" smtClean="0"/>
-              <a:t>6/21/20</a:t>
             </a:fld>
             <a:endParaRPr lang="en-US"/>
           </a:p>
@@ -267,13 +248,7 @@
       </p:sp>
       <p:sp>
         <p:nvSpPr>
-          <p:cNvPr id="5" name="Footer Placeholder 4">
-            <a:extLst>
-              <a:ext uri="{FF2B5EF4-FFF2-40B4-BE49-F238E27FC236}">
-                <a16:creationId xmlns:a16="http://schemas.microsoft.com/office/drawing/2014/main" id="{84D6F869-2BF3-834B-BFEC-3EFC5FF3EBF0}"/>
-              </a:ext>
-            </a:extLst>
-          </p:cNvPr>
+          <p:cNvPr id="5" name="Footer Placeholder 4"/>
           <p:cNvSpPr>
             <a:spLocks noGrp="1"/>
           </p:cNvSpPr>
@@ -292,13 +267,7 @@
       </p:sp>
       <p:sp>
         <p:nvSpPr>
-          <p:cNvPr id="6" name="Slide Number Placeholder 5">
-            <a:extLst>
-              <a:ext uri="{FF2B5EF4-FFF2-40B4-BE49-F238E27FC236}">
-                <a16:creationId xmlns:a16="http://schemas.microsoft.com/office/drawing/2014/main" id="{1DC604B8-A33B-C049-B96F-DDD098FA7A49}"/>
-              </a:ext>
-            </a:extLst>
-          </p:cNvPr>
+          <p:cNvPr id="6" name="Slide Number Placeholder 5"/>
           <p:cNvSpPr>
             <a:spLocks noGrp="1"/>
           </p:cNvSpPr>
@@ -313,18 +282,12 @@
           <a:p>
             <a:fld id="{C21A8962-0AE2-BD48-A10E-4E8D40F9ABF6}" type="slidenum">
               <a:rPr lang="en-US" smtClean="0"/>
-              <a:t>‹#›</a:t>
             </a:fld>
             <a:endParaRPr lang="en-US"/>
           </a:p>
         </p:txBody>
       </p:sp>
     </p:spTree>
-    <p:extLst>
-      <p:ext uri="{BB962C8B-B14F-4D97-AF65-F5344CB8AC3E}">
-        <p14:creationId xmlns:p14="http://schemas.microsoft.com/office/powerpoint/2010/main" val="3929082646"/>
-      </p:ext>
-    </p:extLst>
   </p:cSld>
   <p:clrMapOvr>
     <a:masterClrMapping/>
@@ -351,13 +314,7 @@
       </p:grpSpPr>
       <p:sp>
         <p:nvSpPr>
-          <p:cNvPr id="2" name="Title 1">
-            <a:extLst>
-              <a:ext uri="{FF2B5EF4-FFF2-40B4-BE49-F238E27FC236}">
-                <a16:creationId xmlns:a16="http://schemas.microsoft.com/office/drawing/2014/main" id="{2DADADB1-D6A8-6848-83B6-D4727EB7BBA7}"/>
-              </a:ext>
-            </a:extLst>
-          </p:cNvPr>
+          <p:cNvPr id="2" name="Title 1"/>
           <p:cNvSpPr>
             <a:spLocks noGrp="1"/>
           </p:cNvSpPr>
@@ -380,13 +337,7 @@
       </p:sp>
       <p:sp>
         <p:nvSpPr>
-          <p:cNvPr id="3" name="Vertical Text Placeholder 2">
-            <a:extLst>
-              <a:ext uri="{FF2B5EF4-FFF2-40B4-BE49-F238E27FC236}">
-                <a16:creationId xmlns:a16="http://schemas.microsoft.com/office/drawing/2014/main" id="{071A8499-5031-7E46-A524-3E26B364B558}"/>
-              </a:ext>
-            </a:extLst>
-          </p:cNvPr>
+          <p:cNvPr id="3" name="Vertical Text Placeholder 2"/>
           <p:cNvSpPr>
             <a:spLocks noGrp="1"/>
           </p:cNvSpPr>
@@ -404,6 +355,7 @@
               <a:rPr lang="en-GB"/>
               <a:t>Click to edit Master text styles</a:t>
             </a:r>
+            <a:endParaRPr lang="en-GB"/>
           </a:p>
           <a:p>
             <a:pPr lvl="1"/>
@@ -411,6 +363,7 @@
               <a:rPr lang="en-GB"/>
               <a:t>Second level</a:t>
             </a:r>
+            <a:endParaRPr lang="en-GB"/>
           </a:p>
           <a:p>
             <a:pPr lvl="2"/>
@@ -418,6 +371,7 @@
               <a:rPr lang="en-GB"/>
               <a:t>Third level</a:t>
             </a:r>
+            <a:endParaRPr lang="en-GB"/>
           </a:p>
           <a:p>
             <a:pPr lvl="3"/>
@@ -425,6 +379,7 @@
               <a:rPr lang="en-GB"/>
               <a:t>Fourth level</a:t>
             </a:r>
+            <a:endParaRPr lang="en-GB"/>
           </a:p>
           <a:p>
             <a:pPr lvl="4"/>
@@ -438,13 +393,7 @@
       </p:sp>
       <p:sp>
         <p:nvSpPr>
-          <p:cNvPr id="4" name="Date Placeholder 3">
-            <a:extLst>
-              <a:ext uri="{FF2B5EF4-FFF2-40B4-BE49-F238E27FC236}">
-                <a16:creationId xmlns:a16="http://schemas.microsoft.com/office/drawing/2014/main" id="{50B4F175-BDC8-4D48-A1EB-0225ED0D0D65}"/>
-              </a:ext>
-            </a:extLst>
-          </p:cNvPr>
+          <p:cNvPr id="4" name="Date Placeholder 3"/>
           <p:cNvSpPr>
             <a:spLocks noGrp="1"/>
           </p:cNvSpPr>
@@ -459,7 +408,6 @@
           <a:p>
             <a:fld id="{8A925258-181F-784E-B7B8-A4878EB7D2EF}" type="datetimeFigureOut">
               <a:rPr lang="en-US" smtClean="0"/>
-              <a:t>6/21/20</a:t>
             </a:fld>
             <a:endParaRPr lang="en-US"/>
           </a:p>
@@ -467,13 +415,7 @@
       </p:sp>
       <p:sp>
         <p:nvSpPr>
-          <p:cNvPr id="5" name="Footer Placeholder 4">
-            <a:extLst>
-              <a:ext uri="{FF2B5EF4-FFF2-40B4-BE49-F238E27FC236}">
-                <a16:creationId xmlns:a16="http://schemas.microsoft.com/office/drawing/2014/main" id="{2B003782-F1B1-DC40-849B-298C8D052431}"/>
-              </a:ext>
-            </a:extLst>
-          </p:cNvPr>
+          <p:cNvPr id="5" name="Footer Placeholder 4"/>
           <p:cNvSpPr>
             <a:spLocks noGrp="1"/>
           </p:cNvSpPr>
@@ -492,13 +434,7 @@
       </p:sp>
       <p:sp>
         <p:nvSpPr>
-          <p:cNvPr id="6" name="Slide Number Placeholder 5">
-            <a:extLst>
-              <a:ext uri="{FF2B5EF4-FFF2-40B4-BE49-F238E27FC236}">
-                <a16:creationId xmlns:a16="http://schemas.microsoft.com/office/drawing/2014/main" id="{10470EA4-9C88-3946-AF6F-1F5E6AF06C12}"/>
-              </a:ext>
-            </a:extLst>
-          </p:cNvPr>
+          <p:cNvPr id="6" name="Slide Number Placeholder 5"/>
           <p:cNvSpPr>
             <a:spLocks noGrp="1"/>
           </p:cNvSpPr>
@@ -513,18 +449,12 @@
           <a:p>
             <a:fld id="{C21A8962-0AE2-BD48-A10E-4E8D40F9ABF6}" type="slidenum">
               <a:rPr lang="en-US" smtClean="0"/>
-              <a:t>‹#›</a:t>
             </a:fld>
             <a:endParaRPr lang="en-US"/>
           </a:p>
         </p:txBody>
       </p:sp>
     </p:spTree>
-    <p:extLst>
-      <p:ext uri="{BB962C8B-B14F-4D97-AF65-F5344CB8AC3E}">
-        <p14:creationId xmlns:p14="http://schemas.microsoft.com/office/powerpoint/2010/main" val="4200963684"/>
-      </p:ext>
-    </p:extLst>
   </p:cSld>
   <p:clrMapOvr>
     <a:masterClrMapping/>
@@ -551,13 +481,7 @@
       </p:grpSpPr>
       <p:sp>
         <p:nvSpPr>
-          <p:cNvPr id="2" name="Vertical Title 1">
-            <a:extLst>
-              <a:ext uri="{FF2B5EF4-FFF2-40B4-BE49-F238E27FC236}">
-                <a16:creationId xmlns:a16="http://schemas.microsoft.com/office/drawing/2014/main" id="{C44FD2C9-67F2-2C46-8E8D-F51971E36FFC}"/>
-              </a:ext>
-            </a:extLst>
-          </p:cNvPr>
+          <p:cNvPr id="2" name="Vertical Title 1"/>
           <p:cNvSpPr>
             <a:spLocks noGrp="1"/>
           </p:cNvSpPr>
@@ -585,13 +509,7 @@
       </p:sp>
       <p:sp>
         <p:nvSpPr>
-          <p:cNvPr id="3" name="Vertical Text Placeholder 2">
-            <a:extLst>
-              <a:ext uri="{FF2B5EF4-FFF2-40B4-BE49-F238E27FC236}">
-                <a16:creationId xmlns:a16="http://schemas.microsoft.com/office/drawing/2014/main" id="{F84669B4-F69F-2742-A355-F0125BE45FB2}"/>
-              </a:ext>
-            </a:extLst>
-          </p:cNvPr>
+          <p:cNvPr id="3" name="Vertical Text Placeholder 2"/>
           <p:cNvSpPr>
             <a:spLocks noGrp="1"/>
           </p:cNvSpPr>
@@ -614,6 +532,7 @@
               <a:rPr lang="en-GB"/>
               <a:t>Click to edit Master text styles</a:t>
             </a:r>
+            <a:endParaRPr lang="en-GB"/>
           </a:p>
           <a:p>
             <a:pPr lvl="1"/>
@@ -621,6 +540,7 @@
               <a:rPr lang="en-GB"/>
               <a:t>Second level</a:t>
             </a:r>
+            <a:endParaRPr lang="en-GB"/>
           </a:p>
           <a:p>
             <a:pPr lvl="2"/>
@@ -628,6 +548,7 @@
               <a:rPr lang="en-GB"/>
               <a:t>Third level</a:t>
             </a:r>
+            <a:endParaRPr lang="en-GB"/>
           </a:p>
           <a:p>
             <a:pPr lvl="3"/>
@@ -635,6 +556,7 @@
               <a:rPr lang="en-GB"/>
               <a:t>Fourth level</a:t>
             </a:r>
+            <a:endParaRPr lang="en-GB"/>
           </a:p>
           <a:p>
             <a:pPr lvl="4"/>
@@ -648,13 +570,7 @@
       </p:sp>
       <p:sp>
         <p:nvSpPr>
-          <p:cNvPr id="4" name="Date Placeholder 3">
-            <a:extLst>
-              <a:ext uri="{FF2B5EF4-FFF2-40B4-BE49-F238E27FC236}">
-                <a16:creationId xmlns:a16="http://schemas.microsoft.com/office/drawing/2014/main" id="{C16E2582-B6A0-534E-9885-8AE3DF3E1565}"/>
-              </a:ext>
-            </a:extLst>
-          </p:cNvPr>
+          <p:cNvPr id="4" name="Date Placeholder 3"/>
           <p:cNvSpPr>
             <a:spLocks noGrp="1"/>
           </p:cNvSpPr>
@@ -669,7 +585,6 @@
           <a:p>
             <a:fld id="{8A925258-181F-784E-B7B8-A4878EB7D2EF}" type="datetimeFigureOut">
               <a:rPr lang="en-US" smtClean="0"/>
-              <a:t>6/21/20</a:t>
             </a:fld>
             <a:endParaRPr lang="en-US"/>
           </a:p>
@@ -677,13 +592,7 @@
       </p:sp>
       <p:sp>
         <p:nvSpPr>
-          <p:cNvPr id="5" name="Footer Placeholder 4">
-            <a:extLst>
-              <a:ext uri="{FF2B5EF4-FFF2-40B4-BE49-F238E27FC236}">
-                <a16:creationId xmlns:a16="http://schemas.microsoft.com/office/drawing/2014/main" id="{11E8E548-B1B8-5A42-B304-C457C238FFE8}"/>
-              </a:ext>
-            </a:extLst>
-          </p:cNvPr>
+          <p:cNvPr id="5" name="Footer Placeholder 4"/>
           <p:cNvSpPr>
             <a:spLocks noGrp="1"/>
           </p:cNvSpPr>
@@ -702,13 +611,7 @@
       </p:sp>
       <p:sp>
         <p:nvSpPr>
-          <p:cNvPr id="6" name="Slide Number Placeholder 5">
-            <a:extLst>
-              <a:ext uri="{FF2B5EF4-FFF2-40B4-BE49-F238E27FC236}">
-                <a16:creationId xmlns:a16="http://schemas.microsoft.com/office/drawing/2014/main" id="{812B2835-572F-8446-B519-8F20E9F7B951}"/>
-              </a:ext>
-            </a:extLst>
-          </p:cNvPr>
+          <p:cNvPr id="6" name="Slide Number Placeholder 5"/>
           <p:cNvSpPr>
             <a:spLocks noGrp="1"/>
           </p:cNvSpPr>
@@ -723,18 +626,12 @@
           <a:p>
             <a:fld id="{C21A8962-0AE2-BD48-A10E-4E8D40F9ABF6}" type="slidenum">
               <a:rPr lang="en-US" smtClean="0"/>
-              <a:t>‹#›</a:t>
             </a:fld>
             <a:endParaRPr lang="en-US"/>
           </a:p>
         </p:txBody>
       </p:sp>
     </p:spTree>
-    <p:extLst>
-      <p:ext uri="{BB962C8B-B14F-4D97-AF65-F5344CB8AC3E}">
-        <p14:creationId xmlns:p14="http://schemas.microsoft.com/office/powerpoint/2010/main" val="624561909"/>
-      </p:ext>
-    </p:extLst>
   </p:cSld>
   <p:clrMapOvr>
     <a:masterClrMapping/>
@@ -761,13 +658,7 @@
       </p:grpSpPr>
       <p:sp>
         <p:nvSpPr>
-          <p:cNvPr id="2" name="Title 1">
-            <a:extLst>
-              <a:ext uri="{FF2B5EF4-FFF2-40B4-BE49-F238E27FC236}">
-                <a16:creationId xmlns:a16="http://schemas.microsoft.com/office/drawing/2014/main" id="{75606277-3B75-BE47-BD28-00107EF8A5D0}"/>
-              </a:ext>
-            </a:extLst>
-          </p:cNvPr>
+          <p:cNvPr id="2" name="Title 1"/>
           <p:cNvSpPr>
             <a:spLocks noGrp="1"/>
           </p:cNvSpPr>
@@ -790,13 +681,7 @@
       </p:sp>
       <p:sp>
         <p:nvSpPr>
-          <p:cNvPr id="3" name="Content Placeholder 2">
-            <a:extLst>
-              <a:ext uri="{FF2B5EF4-FFF2-40B4-BE49-F238E27FC236}">
-                <a16:creationId xmlns:a16="http://schemas.microsoft.com/office/drawing/2014/main" id="{8A2B6A22-3D4C-9B45-AF70-6882D4BA7C7E}"/>
-              </a:ext>
-            </a:extLst>
-          </p:cNvPr>
+          <p:cNvPr id="3" name="Content Placeholder 2"/>
           <p:cNvSpPr>
             <a:spLocks noGrp="1"/>
           </p:cNvSpPr>
@@ -814,6 +699,7 @@
               <a:rPr lang="en-GB"/>
               <a:t>Click to edit Master text styles</a:t>
             </a:r>
+            <a:endParaRPr lang="en-GB"/>
           </a:p>
           <a:p>
             <a:pPr lvl="1"/>
@@ -821,6 +707,7 @@
               <a:rPr lang="en-GB"/>
               <a:t>Second level</a:t>
             </a:r>
+            <a:endParaRPr lang="en-GB"/>
           </a:p>
           <a:p>
             <a:pPr lvl="2"/>
@@ -828,6 +715,7 @@
               <a:rPr lang="en-GB"/>
               <a:t>Third level</a:t>
             </a:r>
+            <a:endParaRPr lang="en-GB"/>
           </a:p>
           <a:p>
             <a:pPr lvl="3"/>
@@ -835,6 +723,7 @@
               <a:rPr lang="en-GB"/>
               <a:t>Fourth level</a:t>
             </a:r>
+            <a:endParaRPr lang="en-GB"/>
           </a:p>
           <a:p>
             <a:pPr lvl="4"/>
@@ -848,13 +737,7 @@
       </p:sp>
       <p:sp>
         <p:nvSpPr>
-          <p:cNvPr id="4" name="Date Placeholder 3">
-            <a:extLst>
-              <a:ext uri="{FF2B5EF4-FFF2-40B4-BE49-F238E27FC236}">
-                <a16:creationId xmlns:a16="http://schemas.microsoft.com/office/drawing/2014/main" id="{E06C44A7-566C-134F-9FD2-B1000F672781}"/>
-              </a:ext>
-            </a:extLst>
-          </p:cNvPr>
+          <p:cNvPr id="4" name="Date Placeholder 3"/>
           <p:cNvSpPr>
             <a:spLocks noGrp="1"/>
           </p:cNvSpPr>
@@ -869,7 +752,6 @@
           <a:p>
             <a:fld id="{8A925258-181F-784E-B7B8-A4878EB7D2EF}" type="datetimeFigureOut">
               <a:rPr lang="en-US" smtClean="0"/>
-              <a:t>6/21/20</a:t>
             </a:fld>
             <a:endParaRPr lang="en-US"/>
           </a:p>
@@ -877,13 +759,7 @@
       </p:sp>
       <p:sp>
         <p:nvSpPr>
-          <p:cNvPr id="5" name="Footer Placeholder 4">
-            <a:extLst>
-              <a:ext uri="{FF2B5EF4-FFF2-40B4-BE49-F238E27FC236}">
-                <a16:creationId xmlns:a16="http://schemas.microsoft.com/office/drawing/2014/main" id="{FDD4B540-E4E4-8D46-96DD-D617A5221FEC}"/>
-              </a:ext>
-            </a:extLst>
-          </p:cNvPr>
+          <p:cNvPr id="5" name="Footer Placeholder 4"/>
           <p:cNvSpPr>
             <a:spLocks noGrp="1"/>
           </p:cNvSpPr>
@@ -902,13 +778,7 @@
       </p:sp>
       <p:sp>
         <p:nvSpPr>
-          <p:cNvPr id="6" name="Slide Number Placeholder 5">
-            <a:extLst>
-              <a:ext uri="{FF2B5EF4-FFF2-40B4-BE49-F238E27FC236}">
-                <a16:creationId xmlns:a16="http://schemas.microsoft.com/office/drawing/2014/main" id="{873625AE-8088-5842-9706-5F9E3520245E}"/>
-              </a:ext>
-            </a:extLst>
-          </p:cNvPr>
+          <p:cNvPr id="6" name="Slide Number Placeholder 5"/>
           <p:cNvSpPr>
             <a:spLocks noGrp="1"/>
           </p:cNvSpPr>
@@ -923,18 +793,12 @@
           <a:p>
             <a:fld id="{C21A8962-0AE2-BD48-A10E-4E8D40F9ABF6}" type="slidenum">
               <a:rPr lang="en-US" smtClean="0"/>
-              <a:t>‹#›</a:t>
             </a:fld>
             <a:endParaRPr lang="en-US"/>
           </a:p>
         </p:txBody>
       </p:sp>
     </p:spTree>
-    <p:extLst>
-      <p:ext uri="{BB962C8B-B14F-4D97-AF65-F5344CB8AC3E}">
-        <p14:creationId xmlns:p14="http://schemas.microsoft.com/office/powerpoint/2010/main" val="2921135949"/>
-      </p:ext>
-    </p:extLst>
   </p:cSld>
   <p:clrMapOvr>
     <a:masterClrMapping/>
@@ -961,13 +825,7 @@
       </p:grpSpPr>
       <p:sp>
         <p:nvSpPr>
-          <p:cNvPr id="2" name="Title 1">
-            <a:extLst>
-              <a:ext uri="{FF2B5EF4-FFF2-40B4-BE49-F238E27FC236}">
-                <a16:creationId xmlns:a16="http://schemas.microsoft.com/office/drawing/2014/main" id="{D1C3A393-16F2-734E-9F07-5613BF0F802B}"/>
-              </a:ext>
-            </a:extLst>
-          </p:cNvPr>
+          <p:cNvPr id="2" name="Title 1"/>
           <p:cNvSpPr>
             <a:spLocks noGrp="1"/>
           </p:cNvSpPr>
@@ -999,13 +857,7 @@
       </p:sp>
       <p:sp>
         <p:nvSpPr>
-          <p:cNvPr id="3" name="Text Placeholder 2">
-            <a:extLst>
-              <a:ext uri="{FF2B5EF4-FFF2-40B4-BE49-F238E27FC236}">
-                <a16:creationId xmlns:a16="http://schemas.microsoft.com/office/drawing/2014/main" id="{3462E6D0-38D0-C540-96C6-0714F58CADF9}"/>
-              </a:ext>
-            </a:extLst>
-          </p:cNvPr>
+          <p:cNvPr id="3" name="Text Placeholder 2"/>
           <p:cNvSpPr>
             <a:spLocks noGrp="1"/>
           </p:cNvSpPr>
@@ -1119,18 +971,13 @@
               <a:rPr lang="en-GB"/>
               <a:t>Click to edit Master text styles</a:t>
             </a:r>
-          </a:p>
-        </p:txBody>
-      </p:sp>
-      <p:sp>
-        <p:nvSpPr>
-          <p:cNvPr id="4" name="Date Placeholder 3">
-            <a:extLst>
-              <a:ext uri="{FF2B5EF4-FFF2-40B4-BE49-F238E27FC236}">
-                <a16:creationId xmlns:a16="http://schemas.microsoft.com/office/drawing/2014/main" id="{14FC3225-6AD1-3F44-AAFA-DEF47DED69F1}"/>
-              </a:ext>
-            </a:extLst>
-          </p:cNvPr>
+            <a:endParaRPr lang="en-GB"/>
+          </a:p>
+        </p:txBody>
+      </p:sp>
+      <p:sp>
+        <p:nvSpPr>
+          <p:cNvPr id="4" name="Date Placeholder 3"/>
           <p:cNvSpPr>
             <a:spLocks noGrp="1"/>
           </p:cNvSpPr>
@@ -1145,7 +992,6 @@
           <a:p>
             <a:fld id="{8A925258-181F-784E-B7B8-A4878EB7D2EF}" type="datetimeFigureOut">
               <a:rPr lang="en-US" smtClean="0"/>
-              <a:t>6/21/20</a:t>
             </a:fld>
             <a:endParaRPr lang="en-US"/>
           </a:p>
@@ -1153,13 +999,7 @@
       </p:sp>
       <p:sp>
         <p:nvSpPr>
-          <p:cNvPr id="5" name="Footer Placeholder 4">
-            <a:extLst>
-              <a:ext uri="{FF2B5EF4-FFF2-40B4-BE49-F238E27FC236}">
-                <a16:creationId xmlns:a16="http://schemas.microsoft.com/office/drawing/2014/main" id="{3DC9DD0C-037A-A84A-9A85-1EC60AC2D096}"/>
-              </a:ext>
-            </a:extLst>
-          </p:cNvPr>
+          <p:cNvPr id="5" name="Footer Placeholder 4"/>
           <p:cNvSpPr>
             <a:spLocks noGrp="1"/>
           </p:cNvSpPr>
@@ -1178,13 +1018,7 @@
       </p:sp>
       <p:sp>
         <p:nvSpPr>
-          <p:cNvPr id="6" name="Slide Number Placeholder 5">
-            <a:extLst>
-              <a:ext uri="{FF2B5EF4-FFF2-40B4-BE49-F238E27FC236}">
-                <a16:creationId xmlns:a16="http://schemas.microsoft.com/office/drawing/2014/main" id="{E217C7D6-F9E2-B542-BA14-CCD65C8A3292}"/>
-              </a:ext>
-            </a:extLst>
-          </p:cNvPr>
+          <p:cNvPr id="6" name="Slide Number Placeholder 5"/>
           <p:cNvSpPr>
             <a:spLocks noGrp="1"/>
           </p:cNvSpPr>
@@ -1199,18 +1033,12 @@
           <a:p>
             <a:fld id="{C21A8962-0AE2-BD48-A10E-4E8D40F9ABF6}" type="slidenum">
               <a:rPr lang="en-US" smtClean="0"/>
-              <a:t>‹#›</a:t>
             </a:fld>
             <a:endParaRPr lang="en-US"/>
           </a:p>
         </p:txBody>
       </p:sp>
     </p:spTree>
-    <p:extLst>
-      <p:ext uri="{BB962C8B-B14F-4D97-AF65-F5344CB8AC3E}">
-        <p14:creationId xmlns:p14="http://schemas.microsoft.com/office/powerpoint/2010/main" val="4241110871"/>
-      </p:ext>
-    </p:extLst>
   </p:cSld>
   <p:clrMapOvr>
     <a:masterClrMapping/>
@@ -1237,13 +1065,7 @@
       </p:grpSpPr>
       <p:sp>
         <p:nvSpPr>
-          <p:cNvPr id="2" name="Title 1">
-            <a:extLst>
-              <a:ext uri="{FF2B5EF4-FFF2-40B4-BE49-F238E27FC236}">
-                <a16:creationId xmlns:a16="http://schemas.microsoft.com/office/drawing/2014/main" id="{1B759B24-0DEE-9140-82FD-CF6EDD6B88A1}"/>
-              </a:ext>
-            </a:extLst>
-          </p:cNvPr>
+          <p:cNvPr id="2" name="Title 1"/>
           <p:cNvSpPr>
             <a:spLocks noGrp="1"/>
           </p:cNvSpPr>
@@ -1266,13 +1088,7 @@
       </p:sp>
       <p:sp>
         <p:nvSpPr>
-          <p:cNvPr id="3" name="Content Placeholder 2">
-            <a:extLst>
-              <a:ext uri="{FF2B5EF4-FFF2-40B4-BE49-F238E27FC236}">
-                <a16:creationId xmlns:a16="http://schemas.microsoft.com/office/drawing/2014/main" id="{AFE80FB2-B13C-0F41-AC9F-6C667D2E9EB7}"/>
-              </a:ext>
-            </a:extLst>
-          </p:cNvPr>
+          <p:cNvPr id="3" name="Content Placeholder 2"/>
           <p:cNvSpPr>
             <a:spLocks noGrp="1"/>
           </p:cNvSpPr>
@@ -1295,6 +1111,7 @@
               <a:rPr lang="en-GB"/>
               <a:t>Click to edit Master text styles</a:t>
             </a:r>
+            <a:endParaRPr lang="en-GB"/>
           </a:p>
           <a:p>
             <a:pPr lvl="1"/>
@@ -1302,6 +1119,7 @@
               <a:rPr lang="en-GB"/>
               <a:t>Second level</a:t>
             </a:r>
+            <a:endParaRPr lang="en-GB"/>
           </a:p>
           <a:p>
             <a:pPr lvl="2"/>
@@ -1309,6 +1127,7 @@
               <a:rPr lang="en-GB"/>
               <a:t>Third level</a:t>
             </a:r>
+            <a:endParaRPr lang="en-GB"/>
           </a:p>
           <a:p>
             <a:pPr lvl="3"/>
@@ -1316,6 +1135,7 @@
               <a:rPr lang="en-GB"/>
               <a:t>Fourth level</a:t>
             </a:r>
+            <a:endParaRPr lang="en-GB"/>
           </a:p>
           <a:p>
             <a:pPr lvl="4"/>
@@ -1329,13 +1149,7 @@
       </p:sp>
       <p:sp>
         <p:nvSpPr>
-          <p:cNvPr id="4" name="Content Placeholder 3">
-            <a:extLst>
-              <a:ext uri="{FF2B5EF4-FFF2-40B4-BE49-F238E27FC236}">
-                <a16:creationId xmlns:a16="http://schemas.microsoft.com/office/drawing/2014/main" id="{F836CC5C-85F4-6D47-9DD6-633E8AC0A8B3}"/>
-              </a:ext>
-            </a:extLst>
-          </p:cNvPr>
+          <p:cNvPr id="4" name="Content Placeholder 3"/>
           <p:cNvSpPr>
             <a:spLocks noGrp="1"/>
           </p:cNvSpPr>
@@ -1358,6 +1172,7 @@
               <a:rPr lang="en-GB"/>
               <a:t>Click to edit Master text styles</a:t>
             </a:r>
+            <a:endParaRPr lang="en-GB"/>
           </a:p>
           <a:p>
             <a:pPr lvl="1"/>
@@ -1365,6 +1180,7 @@
               <a:rPr lang="en-GB"/>
               <a:t>Second level</a:t>
             </a:r>
+            <a:endParaRPr lang="en-GB"/>
           </a:p>
           <a:p>
             <a:pPr lvl="2"/>
@@ -1372,6 +1188,7 @@
               <a:rPr lang="en-GB"/>
               <a:t>Third level</a:t>
             </a:r>
+            <a:endParaRPr lang="en-GB"/>
           </a:p>
           <a:p>
             <a:pPr lvl="3"/>
@@ -1379,6 +1196,7 @@
               <a:rPr lang="en-GB"/>
               <a:t>Fourth level</a:t>
             </a:r>
+            <a:endParaRPr lang="en-GB"/>
           </a:p>
           <a:p>
             <a:pPr lvl="4"/>
@@ -1392,13 +1210,7 @@
       </p:sp>
       <p:sp>
         <p:nvSpPr>
-          <p:cNvPr id="5" name="Date Placeholder 4">
-            <a:extLst>
-              <a:ext uri="{FF2B5EF4-FFF2-40B4-BE49-F238E27FC236}">
-                <a16:creationId xmlns:a16="http://schemas.microsoft.com/office/drawing/2014/main" id="{5232E6E1-4A95-BD43-A919-23A26DEF31BA}"/>
-              </a:ext>
-            </a:extLst>
-          </p:cNvPr>
+          <p:cNvPr id="5" name="Date Placeholder 4"/>
           <p:cNvSpPr>
             <a:spLocks noGrp="1"/>
           </p:cNvSpPr>
@@ -1413,7 +1225,6 @@
           <a:p>
             <a:fld id="{8A925258-181F-784E-B7B8-A4878EB7D2EF}" type="datetimeFigureOut">
               <a:rPr lang="en-US" smtClean="0"/>
-              <a:t>6/21/20</a:t>
             </a:fld>
             <a:endParaRPr lang="en-US"/>
           </a:p>
@@ -1421,13 +1232,7 @@
       </p:sp>
       <p:sp>
         <p:nvSpPr>
-          <p:cNvPr id="6" name="Footer Placeholder 5">
-            <a:extLst>
-              <a:ext uri="{FF2B5EF4-FFF2-40B4-BE49-F238E27FC236}">
-                <a16:creationId xmlns:a16="http://schemas.microsoft.com/office/drawing/2014/main" id="{F73B768E-EB28-1745-B823-1A97D81FF75D}"/>
-              </a:ext>
-            </a:extLst>
-          </p:cNvPr>
+          <p:cNvPr id="6" name="Footer Placeholder 5"/>
           <p:cNvSpPr>
             <a:spLocks noGrp="1"/>
           </p:cNvSpPr>
@@ -1446,13 +1251,7 @@
       </p:sp>
       <p:sp>
         <p:nvSpPr>
-          <p:cNvPr id="7" name="Slide Number Placeholder 6">
-            <a:extLst>
-              <a:ext uri="{FF2B5EF4-FFF2-40B4-BE49-F238E27FC236}">
-                <a16:creationId xmlns:a16="http://schemas.microsoft.com/office/drawing/2014/main" id="{9D216A38-4A73-C940-8DEA-C093FEF92A08}"/>
-              </a:ext>
-            </a:extLst>
-          </p:cNvPr>
+          <p:cNvPr id="7" name="Slide Number Placeholder 6"/>
           <p:cNvSpPr>
             <a:spLocks noGrp="1"/>
           </p:cNvSpPr>
@@ -1467,18 +1266,12 @@
           <a:p>
             <a:fld id="{C21A8962-0AE2-BD48-A10E-4E8D40F9ABF6}" type="slidenum">
               <a:rPr lang="en-US" smtClean="0"/>
-              <a:t>‹#›</a:t>
             </a:fld>
             <a:endParaRPr lang="en-US"/>
           </a:p>
         </p:txBody>
       </p:sp>
     </p:spTree>
-    <p:extLst>
-      <p:ext uri="{BB962C8B-B14F-4D97-AF65-F5344CB8AC3E}">
-        <p14:creationId xmlns:p14="http://schemas.microsoft.com/office/powerpoint/2010/main" val="2618409823"/>
-      </p:ext>
-    </p:extLst>
   </p:cSld>
   <p:clrMapOvr>
     <a:masterClrMapping/>
@@ -1505,13 +1298,7 @@
       </p:grpSpPr>
       <p:sp>
         <p:nvSpPr>
-          <p:cNvPr id="2" name="Title 1">
-            <a:extLst>
-              <a:ext uri="{FF2B5EF4-FFF2-40B4-BE49-F238E27FC236}">
-                <a16:creationId xmlns:a16="http://schemas.microsoft.com/office/drawing/2014/main" id="{92E7B380-6AD1-454C-AFDC-20B5FCB74A04}"/>
-              </a:ext>
-            </a:extLst>
-          </p:cNvPr>
+          <p:cNvPr id="2" name="Title 1"/>
           <p:cNvSpPr>
             <a:spLocks noGrp="1"/>
           </p:cNvSpPr>
@@ -1539,13 +1326,7 @@
       </p:sp>
       <p:sp>
         <p:nvSpPr>
-          <p:cNvPr id="3" name="Text Placeholder 2">
-            <a:extLst>
-              <a:ext uri="{FF2B5EF4-FFF2-40B4-BE49-F238E27FC236}">
-                <a16:creationId xmlns:a16="http://schemas.microsoft.com/office/drawing/2014/main" id="{8F6C47BA-59F6-AA43-BEC0-8249C9F5D542}"/>
-              </a:ext>
-            </a:extLst>
-          </p:cNvPr>
+          <p:cNvPr id="3" name="Text Placeholder 2"/>
           <p:cNvSpPr>
             <a:spLocks noGrp="1"/>
           </p:cNvSpPr>
@@ -1605,18 +1386,13 @@
               <a:rPr lang="en-GB"/>
               <a:t>Click to edit Master text styles</a:t>
             </a:r>
-          </a:p>
-        </p:txBody>
-      </p:sp>
-      <p:sp>
-        <p:nvSpPr>
-          <p:cNvPr id="4" name="Content Placeholder 3">
-            <a:extLst>
-              <a:ext uri="{FF2B5EF4-FFF2-40B4-BE49-F238E27FC236}">
-                <a16:creationId xmlns:a16="http://schemas.microsoft.com/office/drawing/2014/main" id="{EC3A2A2E-B460-D54A-A4D6-ACEDF5E5FF01}"/>
-              </a:ext>
-            </a:extLst>
-          </p:cNvPr>
+            <a:endParaRPr lang="en-GB"/>
+          </a:p>
+        </p:txBody>
+      </p:sp>
+      <p:sp>
+        <p:nvSpPr>
+          <p:cNvPr id="4" name="Content Placeholder 3"/>
           <p:cNvSpPr>
             <a:spLocks noGrp="1"/>
           </p:cNvSpPr>
@@ -1639,6 +1415,7 @@
               <a:rPr lang="en-GB"/>
               <a:t>Click to edit Master text styles</a:t>
             </a:r>
+            <a:endParaRPr lang="en-GB"/>
           </a:p>
           <a:p>
             <a:pPr lvl="1"/>
@@ -1646,6 +1423,7 @@
               <a:rPr lang="en-GB"/>
               <a:t>Second level</a:t>
             </a:r>
+            <a:endParaRPr lang="en-GB"/>
           </a:p>
           <a:p>
             <a:pPr lvl="2"/>
@@ -1653,6 +1431,7 @@
               <a:rPr lang="en-GB"/>
               <a:t>Third level</a:t>
             </a:r>
+            <a:endParaRPr lang="en-GB"/>
           </a:p>
           <a:p>
             <a:pPr lvl="3"/>
@@ -1660,6 +1439,7 @@
               <a:rPr lang="en-GB"/>
               <a:t>Fourth level</a:t>
             </a:r>
+            <a:endParaRPr lang="en-GB"/>
           </a:p>
           <a:p>
             <a:pPr lvl="4"/>
@@ -1673,13 +1453,7 @@
       </p:sp>
       <p:sp>
         <p:nvSpPr>
-          <p:cNvPr id="5" name="Text Placeholder 4">
-            <a:extLst>
-              <a:ext uri="{FF2B5EF4-FFF2-40B4-BE49-F238E27FC236}">
-                <a16:creationId xmlns:a16="http://schemas.microsoft.com/office/drawing/2014/main" id="{768A9F2A-AAEA-DD42-A0CC-4FEA663DAC2C}"/>
-              </a:ext>
-            </a:extLst>
-          </p:cNvPr>
+          <p:cNvPr id="5" name="Text Placeholder 4"/>
           <p:cNvSpPr>
             <a:spLocks noGrp="1"/>
           </p:cNvSpPr>
@@ -1739,18 +1513,13 @@
               <a:rPr lang="en-GB"/>
               <a:t>Click to edit Master text styles</a:t>
             </a:r>
-          </a:p>
-        </p:txBody>
-      </p:sp>
-      <p:sp>
-        <p:nvSpPr>
-          <p:cNvPr id="6" name="Content Placeholder 5">
-            <a:extLst>
-              <a:ext uri="{FF2B5EF4-FFF2-40B4-BE49-F238E27FC236}">
-                <a16:creationId xmlns:a16="http://schemas.microsoft.com/office/drawing/2014/main" id="{94F59FAF-6CAC-E14D-B409-161418DD3DA6}"/>
-              </a:ext>
-            </a:extLst>
-          </p:cNvPr>
+            <a:endParaRPr lang="en-GB"/>
+          </a:p>
+        </p:txBody>
+      </p:sp>
+      <p:sp>
+        <p:nvSpPr>
+          <p:cNvPr id="6" name="Content Placeholder 5"/>
           <p:cNvSpPr>
             <a:spLocks noGrp="1"/>
           </p:cNvSpPr>
@@ -1773,6 +1542,7 @@
               <a:rPr lang="en-GB"/>
               <a:t>Click to edit Master text styles</a:t>
             </a:r>
+            <a:endParaRPr lang="en-GB"/>
           </a:p>
           <a:p>
             <a:pPr lvl="1"/>
@@ -1780,6 +1550,7 @@
               <a:rPr lang="en-GB"/>
               <a:t>Second level</a:t>
             </a:r>
+            <a:endParaRPr lang="en-GB"/>
           </a:p>
           <a:p>
             <a:pPr lvl="2"/>
@@ -1787,6 +1558,7 @@
               <a:rPr lang="en-GB"/>
               <a:t>Third level</a:t>
             </a:r>
+            <a:endParaRPr lang="en-GB"/>
           </a:p>
           <a:p>
             <a:pPr lvl="3"/>
@@ -1794,6 +1566,7 @@
               <a:rPr lang="en-GB"/>
               <a:t>Fourth level</a:t>
             </a:r>
+            <a:endParaRPr lang="en-GB"/>
           </a:p>
           <a:p>
             <a:pPr lvl="4"/>
@@ -1807,13 +1580,7 @@
       </p:sp>
       <p:sp>
         <p:nvSpPr>
-          <p:cNvPr id="7" name="Date Placeholder 6">
-            <a:extLst>
-              <a:ext uri="{FF2B5EF4-FFF2-40B4-BE49-F238E27FC236}">
-                <a16:creationId xmlns:a16="http://schemas.microsoft.com/office/drawing/2014/main" id="{84E05C29-8AA8-E849-9007-861A2E997F9B}"/>
-              </a:ext>
-            </a:extLst>
-          </p:cNvPr>
+          <p:cNvPr id="7" name="Date Placeholder 6"/>
           <p:cNvSpPr>
             <a:spLocks noGrp="1"/>
           </p:cNvSpPr>
@@ -1828,7 +1595,6 @@
           <a:p>
             <a:fld id="{8A925258-181F-784E-B7B8-A4878EB7D2EF}" type="datetimeFigureOut">
               <a:rPr lang="en-US" smtClean="0"/>
-              <a:t>6/21/20</a:t>
             </a:fld>
             <a:endParaRPr lang="en-US"/>
           </a:p>
@@ -1836,13 +1602,7 @@
       </p:sp>
       <p:sp>
         <p:nvSpPr>
-          <p:cNvPr id="8" name="Footer Placeholder 7">
-            <a:extLst>
-              <a:ext uri="{FF2B5EF4-FFF2-40B4-BE49-F238E27FC236}">
-                <a16:creationId xmlns:a16="http://schemas.microsoft.com/office/drawing/2014/main" id="{7EBEDDE2-5B9F-B84B-AA62-271FF7D07DB3}"/>
-              </a:ext>
-            </a:extLst>
-          </p:cNvPr>
+          <p:cNvPr id="8" name="Footer Placeholder 7"/>
           <p:cNvSpPr>
             <a:spLocks noGrp="1"/>
           </p:cNvSpPr>
@@ -1861,13 +1621,7 @@
       </p:sp>
       <p:sp>
         <p:nvSpPr>
-          <p:cNvPr id="9" name="Slide Number Placeholder 8">
-            <a:extLst>
-              <a:ext uri="{FF2B5EF4-FFF2-40B4-BE49-F238E27FC236}">
-                <a16:creationId xmlns:a16="http://schemas.microsoft.com/office/drawing/2014/main" id="{432C949A-EFFB-A642-B10F-0BDBE158C58A}"/>
-              </a:ext>
-            </a:extLst>
-          </p:cNvPr>
+          <p:cNvPr id="9" name="Slide Number Placeholder 8"/>
           <p:cNvSpPr>
             <a:spLocks noGrp="1"/>
           </p:cNvSpPr>
@@ -1882,18 +1636,12 @@
           <a:p>
             <a:fld id="{C21A8962-0AE2-BD48-A10E-4E8D40F9ABF6}" type="slidenum">
               <a:rPr lang="en-US" smtClean="0"/>
-              <a:t>‹#›</a:t>
             </a:fld>
             <a:endParaRPr lang="en-US"/>
           </a:p>
         </p:txBody>
       </p:sp>
     </p:spTree>
-    <p:extLst>
-      <p:ext uri="{BB962C8B-B14F-4D97-AF65-F5344CB8AC3E}">
-        <p14:creationId xmlns:p14="http://schemas.microsoft.com/office/powerpoint/2010/main" val="3700767589"/>
-      </p:ext>
-    </p:extLst>
   </p:cSld>
   <p:clrMapOvr>
     <a:masterClrMapping/>
@@ -1920,13 +1668,7 @@
       </p:grpSpPr>
       <p:sp>
         <p:nvSpPr>
-          <p:cNvPr id="2" name="Title 1">
-            <a:extLst>
-              <a:ext uri="{FF2B5EF4-FFF2-40B4-BE49-F238E27FC236}">
-                <a16:creationId xmlns:a16="http://schemas.microsoft.com/office/drawing/2014/main" id="{D5D8E17E-2902-3041-A593-ABC60F9AC60E}"/>
-              </a:ext>
-            </a:extLst>
-          </p:cNvPr>
+          <p:cNvPr id="2" name="Title 1"/>
           <p:cNvSpPr>
             <a:spLocks noGrp="1"/>
           </p:cNvSpPr>
@@ -1949,13 +1691,7 @@
       </p:sp>
       <p:sp>
         <p:nvSpPr>
-          <p:cNvPr id="3" name="Date Placeholder 2">
-            <a:extLst>
-              <a:ext uri="{FF2B5EF4-FFF2-40B4-BE49-F238E27FC236}">
-                <a16:creationId xmlns:a16="http://schemas.microsoft.com/office/drawing/2014/main" id="{E61177D8-73D3-D34A-A620-2B2CD050B6ED}"/>
-              </a:ext>
-            </a:extLst>
-          </p:cNvPr>
+          <p:cNvPr id="3" name="Date Placeholder 2"/>
           <p:cNvSpPr>
             <a:spLocks noGrp="1"/>
           </p:cNvSpPr>
@@ -1970,7 +1706,6 @@
           <a:p>
             <a:fld id="{8A925258-181F-784E-B7B8-A4878EB7D2EF}" type="datetimeFigureOut">
               <a:rPr lang="en-US" smtClean="0"/>
-              <a:t>6/21/20</a:t>
             </a:fld>
             <a:endParaRPr lang="en-US"/>
           </a:p>
@@ -1978,13 +1713,7 @@
       </p:sp>
       <p:sp>
         <p:nvSpPr>
-          <p:cNvPr id="4" name="Footer Placeholder 3">
-            <a:extLst>
-              <a:ext uri="{FF2B5EF4-FFF2-40B4-BE49-F238E27FC236}">
-                <a16:creationId xmlns:a16="http://schemas.microsoft.com/office/drawing/2014/main" id="{DA525C26-EB75-6B42-9190-615D573A2B14}"/>
-              </a:ext>
-            </a:extLst>
-          </p:cNvPr>
+          <p:cNvPr id="4" name="Footer Placeholder 3"/>
           <p:cNvSpPr>
             <a:spLocks noGrp="1"/>
           </p:cNvSpPr>
@@ -2003,13 +1732,7 @@
       </p:sp>
       <p:sp>
         <p:nvSpPr>
-          <p:cNvPr id="5" name="Slide Number Placeholder 4">
-            <a:extLst>
-              <a:ext uri="{FF2B5EF4-FFF2-40B4-BE49-F238E27FC236}">
-                <a16:creationId xmlns:a16="http://schemas.microsoft.com/office/drawing/2014/main" id="{148FBBAB-C8AD-1D4C-96F2-3F0136A54AC9}"/>
-              </a:ext>
-            </a:extLst>
-          </p:cNvPr>
+          <p:cNvPr id="5" name="Slide Number Placeholder 4"/>
           <p:cNvSpPr>
             <a:spLocks noGrp="1"/>
           </p:cNvSpPr>
@@ -2024,18 +1747,12 @@
           <a:p>
             <a:fld id="{C21A8962-0AE2-BD48-A10E-4E8D40F9ABF6}" type="slidenum">
               <a:rPr lang="en-US" smtClean="0"/>
-              <a:t>‹#›</a:t>
             </a:fld>
             <a:endParaRPr lang="en-US"/>
           </a:p>
         </p:txBody>
       </p:sp>
     </p:spTree>
-    <p:extLst>
-      <p:ext uri="{BB962C8B-B14F-4D97-AF65-F5344CB8AC3E}">
-        <p14:creationId xmlns:p14="http://schemas.microsoft.com/office/powerpoint/2010/main" val="3982712824"/>
-      </p:ext>
-    </p:extLst>
   </p:cSld>
   <p:clrMapOvr>
     <a:masterClrMapping/>
@@ -2062,13 +1779,7 @@
       </p:grpSpPr>
       <p:sp>
         <p:nvSpPr>
-          <p:cNvPr id="2" name="Date Placeholder 1">
-            <a:extLst>
-              <a:ext uri="{FF2B5EF4-FFF2-40B4-BE49-F238E27FC236}">
-                <a16:creationId xmlns:a16="http://schemas.microsoft.com/office/drawing/2014/main" id="{541FDEB7-B92D-6840-B22B-0A114BCAB8CE}"/>
-              </a:ext>
-            </a:extLst>
-          </p:cNvPr>
+          <p:cNvPr id="2" name="Date Placeholder 1"/>
           <p:cNvSpPr>
             <a:spLocks noGrp="1"/>
           </p:cNvSpPr>
@@ -2083,7 +1794,6 @@
           <a:p>
             <a:fld id="{8A925258-181F-784E-B7B8-A4878EB7D2EF}" type="datetimeFigureOut">
               <a:rPr lang="en-US" smtClean="0"/>
-              <a:t>6/21/20</a:t>
             </a:fld>
             <a:endParaRPr lang="en-US"/>
           </a:p>
@@ -2091,13 +1801,7 @@
       </p:sp>
       <p:sp>
         <p:nvSpPr>
-          <p:cNvPr id="3" name="Footer Placeholder 2">
-            <a:extLst>
-              <a:ext uri="{FF2B5EF4-FFF2-40B4-BE49-F238E27FC236}">
-                <a16:creationId xmlns:a16="http://schemas.microsoft.com/office/drawing/2014/main" id="{A8F136E7-454A-E946-B73F-9DED50C9D687}"/>
-              </a:ext>
-            </a:extLst>
-          </p:cNvPr>
+          <p:cNvPr id="3" name="Footer Placeholder 2"/>
           <p:cNvSpPr>
             <a:spLocks noGrp="1"/>
           </p:cNvSpPr>
@@ -2116,13 +1820,7 @@
       </p:sp>
       <p:sp>
         <p:nvSpPr>
-          <p:cNvPr id="4" name="Slide Number Placeholder 3">
-            <a:extLst>
-              <a:ext uri="{FF2B5EF4-FFF2-40B4-BE49-F238E27FC236}">
-                <a16:creationId xmlns:a16="http://schemas.microsoft.com/office/drawing/2014/main" id="{3AC2F9A7-792F-1840-8027-6AB431A9C204}"/>
-              </a:ext>
-            </a:extLst>
-          </p:cNvPr>
+          <p:cNvPr id="4" name="Slide Number Placeholder 3"/>
           <p:cNvSpPr>
             <a:spLocks noGrp="1"/>
           </p:cNvSpPr>
@@ -2137,18 +1835,12 @@
           <a:p>
             <a:fld id="{C21A8962-0AE2-BD48-A10E-4E8D40F9ABF6}" type="slidenum">
               <a:rPr lang="en-US" smtClean="0"/>
-              <a:t>‹#›</a:t>
             </a:fld>
             <a:endParaRPr lang="en-US"/>
           </a:p>
         </p:txBody>
       </p:sp>
     </p:spTree>
-    <p:extLst>
-      <p:ext uri="{BB962C8B-B14F-4D97-AF65-F5344CB8AC3E}">
-        <p14:creationId xmlns:p14="http://schemas.microsoft.com/office/powerpoint/2010/main" val="3229684083"/>
-      </p:ext>
-    </p:extLst>
   </p:cSld>
   <p:clrMapOvr>
     <a:masterClrMapping/>
@@ -2175,13 +1867,7 @@
       </p:grpSpPr>
       <p:sp>
         <p:nvSpPr>
-          <p:cNvPr id="2" name="Title 1">
-            <a:extLst>
-              <a:ext uri="{FF2B5EF4-FFF2-40B4-BE49-F238E27FC236}">
-                <a16:creationId xmlns:a16="http://schemas.microsoft.com/office/drawing/2014/main" id="{1BD05538-F067-FF49-A08B-3661EECBEB89}"/>
-              </a:ext>
-            </a:extLst>
-          </p:cNvPr>
+          <p:cNvPr id="2" name="Title 1"/>
           <p:cNvSpPr>
             <a:spLocks noGrp="1"/>
           </p:cNvSpPr>
@@ -2213,13 +1899,7 @@
       </p:sp>
       <p:sp>
         <p:nvSpPr>
-          <p:cNvPr id="3" name="Content Placeholder 2">
-            <a:extLst>
-              <a:ext uri="{FF2B5EF4-FFF2-40B4-BE49-F238E27FC236}">
-                <a16:creationId xmlns:a16="http://schemas.microsoft.com/office/drawing/2014/main" id="{8D65D6BD-9143-7445-BC59-DAEE83AAED6D}"/>
-              </a:ext>
-            </a:extLst>
-          </p:cNvPr>
+          <p:cNvPr id="3" name="Content Placeholder 2"/>
           <p:cNvSpPr>
             <a:spLocks noGrp="1"/>
           </p:cNvSpPr>
@@ -2270,6 +1950,7 @@
               <a:rPr lang="en-GB"/>
               <a:t>Click to edit Master text styles</a:t>
             </a:r>
+            <a:endParaRPr lang="en-GB"/>
           </a:p>
           <a:p>
             <a:pPr lvl="1"/>
@@ -2277,6 +1958,7 @@
               <a:rPr lang="en-GB"/>
               <a:t>Second level</a:t>
             </a:r>
+            <a:endParaRPr lang="en-GB"/>
           </a:p>
           <a:p>
             <a:pPr lvl="2"/>
@@ -2284,6 +1966,7 @@
               <a:rPr lang="en-GB"/>
               <a:t>Third level</a:t>
             </a:r>
+            <a:endParaRPr lang="en-GB"/>
           </a:p>
           <a:p>
             <a:pPr lvl="3"/>
@@ -2291,6 +1974,7 @@
               <a:rPr lang="en-GB"/>
               <a:t>Fourth level</a:t>
             </a:r>
+            <a:endParaRPr lang="en-GB"/>
           </a:p>
           <a:p>
             <a:pPr lvl="4"/>
@@ -2304,13 +1988,7 @@
       </p:sp>
       <p:sp>
         <p:nvSpPr>
-          <p:cNvPr id="4" name="Text Placeholder 3">
-            <a:extLst>
-              <a:ext uri="{FF2B5EF4-FFF2-40B4-BE49-F238E27FC236}">
-                <a16:creationId xmlns:a16="http://schemas.microsoft.com/office/drawing/2014/main" id="{C284EE10-F401-3247-B3E2-9604F6754457}"/>
-              </a:ext>
-            </a:extLst>
-          </p:cNvPr>
+          <p:cNvPr id="4" name="Text Placeholder 3"/>
           <p:cNvSpPr>
             <a:spLocks noGrp="1"/>
           </p:cNvSpPr>
@@ -2370,18 +2048,13 @@
               <a:rPr lang="en-GB"/>
               <a:t>Click to edit Master text styles</a:t>
             </a:r>
-          </a:p>
-        </p:txBody>
-      </p:sp>
-      <p:sp>
-        <p:nvSpPr>
-          <p:cNvPr id="5" name="Date Placeholder 4">
-            <a:extLst>
-              <a:ext uri="{FF2B5EF4-FFF2-40B4-BE49-F238E27FC236}">
-                <a16:creationId xmlns:a16="http://schemas.microsoft.com/office/drawing/2014/main" id="{85D727F3-4D18-9649-9DBE-99D12D38E5BD}"/>
-              </a:ext>
-            </a:extLst>
-          </p:cNvPr>
+            <a:endParaRPr lang="en-GB"/>
+          </a:p>
+        </p:txBody>
+      </p:sp>
+      <p:sp>
+        <p:nvSpPr>
+          <p:cNvPr id="5" name="Date Placeholder 4"/>
           <p:cNvSpPr>
             <a:spLocks noGrp="1"/>
           </p:cNvSpPr>
@@ -2396,7 +2069,6 @@
           <a:p>
             <a:fld id="{8A925258-181F-784E-B7B8-A4878EB7D2EF}" type="datetimeFigureOut">
               <a:rPr lang="en-US" smtClean="0"/>
-              <a:t>6/21/20</a:t>
             </a:fld>
             <a:endParaRPr lang="en-US"/>
           </a:p>
@@ -2404,13 +2076,7 @@
       </p:sp>
       <p:sp>
         <p:nvSpPr>
-          <p:cNvPr id="6" name="Footer Placeholder 5">
-            <a:extLst>
-              <a:ext uri="{FF2B5EF4-FFF2-40B4-BE49-F238E27FC236}">
-                <a16:creationId xmlns:a16="http://schemas.microsoft.com/office/drawing/2014/main" id="{D8FCC39D-BEB3-ED43-8C58-C6691D2B6985}"/>
-              </a:ext>
-            </a:extLst>
-          </p:cNvPr>
+          <p:cNvPr id="6" name="Footer Placeholder 5"/>
           <p:cNvSpPr>
             <a:spLocks noGrp="1"/>
           </p:cNvSpPr>
@@ -2429,13 +2095,7 @@
       </p:sp>
       <p:sp>
         <p:nvSpPr>
-          <p:cNvPr id="7" name="Slide Number Placeholder 6">
-            <a:extLst>
-              <a:ext uri="{FF2B5EF4-FFF2-40B4-BE49-F238E27FC236}">
-                <a16:creationId xmlns:a16="http://schemas.microsoft.com/office/drawing/2014/main" id="{2F1CE396-0281-BE40-AF36-E5BF0D967A2D}"/>
-              </a:ext>
-            </a:extLst>
-          </p:cNvPr>
+          <p:cNvPr id="7" name="Slide Number Placeholder 6"/>
           <p:cNvSpPr>
             <a:spLocks noGrp="1"/>
           </p:cNvSpPr>
@@ -2450,18 +2110,12 @@
           <a:p>
             <a:fld id="{C21A8962-0AE2-BD48-A10E-4E8D40F9ABF6}" type="slidenum">
               <a:rPr lang="en-US" smtClean="0"/>
-              <a:t>‹#›</a:t>
             </a:fld>
             <a:endParaRPr lang="en-US"/>
           </a:p>
         </p:txBody>
       </p:sp>
     </p:spTree>
-    <p:extLst>
-      <p:ext uri="{BB962C8B-B14F-4D97-AF65-F5344CB8AC3E}">
-        <p14:creationId xmlns:p14="http://schemas.microsoft.com/office/powerpoint/2010/main" val="1770920611"/>
-      </p:ext>
-    </p:extLst>
   </p:cSld>
   <p:clrMapOvr>
     <a:masterClrMapping/>
@@ -2488,13 +2142,7 @@
       </p:grpSpPr>
       <p:sp>
         <p:nvSpPr>
-          <p:cNvPr id="2" name="Title 1">
-            <a:extLst>
-              <a:ext uri="{FF2B5EF4-FFF2-40B4-BE49-F238E27FC236}">
-                <a16:creationId xmlns:a16="http://schemas.microsoft.com/office/drawing/2014/main" id="{CE01F23C-667F-6E41-A9ED-658F3B3590F6}"/>
-              </a:ext>
-            </a:extLst>
-          </p:cNvPr>
+          <p:cNvPr id="2" name="Title 1"/>
           <p:cNvSpPr>
             <a:spLocks noGrp="1"/>
           </p:cNvSpPr>
@@ -2526,13 +2174,7 @@
       </p:sp>
       <p:sp>
         <p:nvSpPr>
-          <p:cNvPr id="3" name="Picture Placeholder 2">
-            <a:extLst>
-              <a:ext uri="{FF2B5EF4-FFF2-40B4-BE49-F238E27FC236}">
-                <a16:creationId xmlns:a16="http://schemas.microsoft.com/office/drawing/2014/main" id="{CCBB4DB1-22F7-A947-926D-C0789889DEBF}"/>
-              </a:ext>
-            </a:extLst>
-          </p:cNvPr>
+          <p:cNvPr id="3" name="Picture Placeholder 2"/>
           <p:cNvSpPr>
             <a:spLocks noGrp="1"/>
           </p:cNvSpPr>
@@ -2593,13 +2235,7 @@
       </p:sp>
       <p:sp>
         <p:nvSpPr>
-          <p:cNvPr id="4" name="Text Placeholder 3">
-            <a:extLst>
-              <a:ext uri="{FF2B5EF4-FFF2-40B4-BE49-F238E27FC236}">
-                <a16:creationId xmlns:a16="http://schemas.microsoft.com/office/drawing/2014/main" id="{26828EBA-0941-524B-8B2E-43C32E0412DE}"/>
-              </a:ext>
-            </a:extLst>
-          </p:cNvPr>
+          <p:cNvPr id="4" name="Text Placeholder 3"/>
           <p:cNvSpPr>
             <a:spLocks noGrp="1"/>
           </p:cNvSpPr>
@@ -2659,18 +2295,13 @@
               <a:rPr lang="en-GB"/>
               <a:t>Click to edit Master text styles</a:t>
             </a:r>
-          </a:p>
-        </p:txBody>
-      </p:sp>
-      <p:sp>
-        <p:nvSpPr>
-          <p:cNvPr id="5" name="Date Placeholder 4">
-            <a:extLst>
-              <a:ext uri="{FF2B5EF4-FFF2-40B4-BE49-F238E27FC236}">
-                <a16:creationId xmlns:a16="http://schemas.microsoft.com/office/drawing/2014/main" id="{DA14697D-0D68-0843-B49D-597F47CF79A6}"/>
-              </a:ext>
-            </a:extLst>
-          </p:cNvPr>
+            <a:endParaRPr lang="en-GB"/>
+          </a:p>
+        </p:txBody>
+      </p:sp>
+      <p:sp>
+        <p:nvSpPr>
+          <p:cNvPr id="5" name="Date Placeholder 4"/>
           <p:cNvSpPr>
             <a:spLocks noGrp="1"/>
           </p:cNvSpPr>
@@ -2685,7 +2316,6 @@
           <a:p>
             <a:fld id="{8A925258-181F-784E-B7B8-A4878EB7D2EF}" type="datetimeFigureOut">
               <a:rPr lang="en-US" smtClean="0"/>
-              <a:t>6/21/20</a:t>
             </a:fld>
             <a:endParaRPr lang="en-US"/>
           </a:p>
@@ -2693,13 +2323,7 @@
       </p:sp>
       <p:sp>
         <p:nvSpPr>
-          <p:cNvPr id="6" name="Footer Placeholder 5">
-            <a:extLst>
-              <a:ext uri="{FF2B5EF4-FFF2-40B4-BE49-F238E27FC236}">
-                <a16:creationId xmlns:a16="http://schemas.microsoft.com/office/drawing/2014/main" id="{CA660EE3-4FF6-914A-9D74-DFAD8D5A3798}"/>
-              </a:ext>
-            </a:extLst>
-          </p:cNvPr>
+          <p:cNvPr id="6" name="Footer Placeholder 5"/>
           <p:cNvSpPr>
             <a:spLocks noGrp="1"/>
           </p:cNvSpPr>
@@ -2718,13 +2342,7 @@
       </p:sp>
       <p:sp>
         <p:nvSpPr>
-          <p:cNvPr id="7" name="Slide Number Placeholder 6">
-            <a:extLst>
-              <a:ext uri="{FF2B5EF4-FFF2-40B4-BE49-F238E27FC236}">
-                <a16:creationId xmlns:a16="http://schemas.microsoft.com/office/drawing/2014/main" id="{ED4749C6-99E0-B645-ADFA-1333A1D5FD21}"/>
-              </a:ext>
-            </a:extLst>
-          </p:cNvPr>
+          <p:cNvPr id="7" name="Slide Number Placeholder 6"/>
           <p:cNvSpPr>
             <a:spLocks noGrp="1"/>
           </p:cNvSpPr>
@@ -2739,18 +2357,12 @@
           <a:p>
             <a:fld id="{C21A8962-0AE2-BD48-A10E-4E8D40F9ABF6}" type="slidenum">
               <a:rPr lang="en-US" smtClean="0"/>
-              <a:t>‹#›</a:t>
             </a:fld>
             <a:endParaRPr lang="en-US"/>
           </a:p>
         </p:txBody>
       </p:sp>
     </p:spTree>
-    <p:extLst>
-      <p:ext uri="{BB962C8B-B14F-4D97-AF65-F5344CB8AC3E}">
-        <p14:creationId xmlns:p14="http://schemas.microsoft.com/office/powerpoint/2010/main" val="723246984"/>
-      </p:ext>
-    </p:extLst>
   </p:cSld>
   <p:clrMapOvr>
     <a:masterClrMapping/>
@@ -2782,13 +2394,7 @@
       </p:grpSpPr>
       <p:sp>
         <p:nvSpPr>
-          <p:cNvPr id="2" name="Title Placeholder 1">
-            <a:extLst>
-              <a:ext uri="{FF2B5EF4-FFF2-40B4-BE49-F238E27FC236}">
-                <a16:creationId xmlns:a16="http://schemas.microsoft.com/office/drawing/2014/main" id="{6D259812-8075-024E-8774-A34F8C26DC77}"/>
-              </a:ext>
-            </a:extLst>
-          </p:cNvPr>
+          <p:cNvPr id="2" name="Title Placeholder 1"/>
           <p:cNvSpPr>
             <a:spLocks noGrp="1"/>
           </p:cNvSpPr>
@@ -2821,13 +2427,7 @@
       </p:sp>
       <p:sp>
         <p:nvSpPr>
-          <p:cNvPr id="3" name="Text Placeholder 2">
-            <a:extLst>
-              <a:ext uri="{FF2B5EF4-FFF2-40B4-BE49-F238E27FC236}">
-                <a16:creationId xmlns:a16="http://schemas.microsoft.com/office/drawing/2014/main" id="{9E8DF925-62B6-2D41-88BE-E544DBAFF672}"/>
-              </a:ext>
-            </a:extLst>
-          </p:cNvPr>
+          <p:cNvPr id="3" name="Text Placeholder 2"/>
           <p:cNvSpPr>
             <a:spLocks noGrp="1"/>
           </p:cNvSpPr>
@@ -2855,6 +2455,7 @@
               <a:rPr lang="en-GB"/>
               <a:t>Click to edit Master text styles</a:t>
             </a:r>
+            <a:endParaRPr lang="en-GB"/>
           </a:p>
           <a:p>
             <a:pPr lvl="1"/>
@@ -2862,6 +2463,7 @@
               <a:rPr lang="en-GB"/>
               <a:t>Second level</a:t>
             </a:r>
+            <a:endParaRPr lang="en-GB"/>
           </a:p>
           <a:p>
             <a:pPr lvl="2"/>
@@ -2869,6 +2471,7 @@
               <a:rPr lang="en-GB"/>
               <a:t>Third level</a:t>
             </a:r>
+            <a:endParaRPr lang="en-GB"/>
           </a:p>
           <a:p>
             <a:pPr lvl="3"/>
@@ -2876,6 +2479,7 @@
               <a:rPr lang="en-GB"/>
               <a:t>Fourth level</a:t>
             </a:r>
+            <a:endParaRPr lang="en-GB"/>
           </a:p>
           <a:p>
             <a:pPr lvl="4"/>
@@ -2889,13 +2493,7 @@
       </p:sp>
       <p:sp>
         <p:nvSpPr>
-          <p:cNvPr id="4" name="Date Placeholder 3">
-            <a:extLst>
-              <a:ext uri="{FF2B5EF4-FFF2-40B4-BE49-F238E27FC236}">
-                <a16:creationId xmlns:a16="http://schemas.microsoft.com/office/drawing/2014/main" id="{849F73E4-44CC-4A43-98AD-55763F45D01F}"/>
-              </a:ext>
-            </a:extLst>
-          </p:cNvPr>
+          <p:cNvPr id="4" name="Date Placeholder 3"/>
           <p:cNvSpPr>
             <a:spLocks noGrp="1"/>
           </p:cNvSpPr>
@@ -2928,7 +2526,6 @@
           <a:p>
             <a:fld id="{8A925258-181F-784E-B7B8-A4878EB7D2EF}" type="datetimeFigureOut">
               <a:rPr lang="en-US" smtClean="0"/>
-              <a:t>6/21/20</a:t>
             </a:fld>
             <a:endParaRPr lang="en-US"/>
           </a:p>
@@ -2936,13 +2533,7 @@
       </p:sp>
       <p:sp>
         <p:nvSpPr>
-          <p:cNvPr id="5" name="Footer Placeholder 4">
-            <a:extLst>
-              <a:ext uri="{FF2B5EF4-FFF2-40B4-BE49-F238E27FC236}">
-                <a16:creationId xmlns:a16="http://schemas.microsoft.com/office/drawing/2014/main" id="{0A832BA5-F779-6A42-9000-0D914BCB257A}"/>
-              </a:ext>
-            </a:extLst>
-          </p:cNvPr>
+          <p:cNvPr id="5" name="Footer Placeholder 4"/>
           <p:cNvSpPr>
             <a:spLocks noGrp="1"/>
           </p:cNvSpPr>
@@ -2979,13 +2570,7 @@
       </p:sp>
       <p:sp>
         <p:nvSpPr>
-          <p:cNvPr id="6" name="Slide Number Placeholder 5">
-            <a:extLst>
-              <a:ext uri="{FF2B5EF4-FFF2-40B4-BE49-F238E27FC236}">
-                <a16:creationId xmlns:a16="http://schemas.microsoft.com/office/drawing/2014/main" id="{ECC74A59-39DF-7349-A863-C118DB152DF0}"/>
-              </a:ext>
-            </a:extLst>
-          </p:cNvPr>
+          <p:cNvPr id="6" name="Slide Number Placeholder 5"/>
           <p:cNvSpPr>
             <a:spLocks noGrp="1"/>
           </p:cNvSpPr>
@@ -3018,18 +2603,12 @@
           <a:p>
             <a:fld id="{C21A8962-0AE2-BD48-A10E-4E8D40F9ABF6}" type="slidenum">
               <a:rPr lang="en-US" smtClean="0"/>
-              <a:t>‹#›</a:t>
             </a:fld>
             <a:endParaRPr lang="en-US"/>
           </a:p>
         </p:txBody>
       </p:sp>
     </p:spTree>
-    <p:extLst>
-      <p:ext uri="{BB962C8B-B14F-4D97-AF65-F5344CB8AC3E}">
-        <p14:creationId xmlns:p14="http://schemas.microsoft.com/office/powerpoint/2010/main" val="2064662503"/>
-      </p:ext>
-    </p:extLst>
   </p:cSld>
   <p:clrMap bg1="lt1" tx1="dk1" bg2="lt2" tx2="dk2" accent1="accent1" accent2="accent2" accent3="accent3" accent4="accent4" accent5="accent5" accent6="accent6" hlink="hlink" folHlink="folHlink"/>
   <p:sldLayoutIdLst>
@@ -3347,13 +2926,7 @@
       </p:grpSpPr>
       <p:sp>
         <p:nvSpPr>
-          <p:cNvPr id="2" name="Title 1">
-            <a:extLst>
-              <a:ext uri="{FF2B5EF4-FFF2-40B4-BE49-F238E27FC236}">
-                <a16:creationId xmlns:a16="http://schemas.microsoft.com/office/drawing/2014/main" id="{6D3DD51F-C2F1-2248-9B38-2655215E8463}"/>
-              </a:ext>
-            </a:extLst>
-          </p:cNvPr>
+          <p:cNvPr id="2" name="Title 1"/>
           <p:cNvSpPr>
             <a:spLocks noGrp="1"/>
           </p:cNvSpPr>
@@ -3370,18 +2943,13 @@
               <a:rPr lang="en-US" dirty="0"/>
               <a:t>OCR </a:t>
             </a:r>
-          </a:p>
-        </p:txBody>
-      </p:sp>
-      <p:sp>
-        <p:nvSpPr>
-          <p:cNvPr id="3" name="Subtitle 2">
-            <a:extLst>
-              <a:ext uri="{FF2B5EF4-FFF2-40B4-BE49-F238E27FC236}">
-                <a16:creationId xmlns:a16="http://schemas.microsoft.com/office/drawing/2014/main" id="{90977329-B1FB-614E-8868-CD4237A0440B}"/>
-              </a:ext>
-            </a:extLst>
-          </p:cNvPr>
+            <a:endParaRPr lang="en-US" dirty="0"/>
+          </a:p>
+        </p:txBody>
+      </p:sp>
+      <p:sp>
+        <p:nvSpPr>
+          <p:cNvPr id="3" name="Subtitle 2"/>
           <p:cNvSpPr>
             <a:spLocks noGrp="1"/>
           </p:cNvSpPr>
@@ -3398,15 +2966,11 @@
               <a:rPr lang="en-US" dirty="0"/>
               <a:t>Status updates </a:t>
             </a:r>
+            <a:endParaRPr lang="en-US" dirty="0"/>
           </a:p>
         </p:txBody>
       </p:sp>
     </p:spTree>
-    <p:extLst>
-      <p:ext uri="{BB962C8B-B14F-4D97-AF65-F5344CB8AC3E}">
-        <p14:creationId xmlns:p14="http://schemas.microsoft.com/office/powerpoint/2010/main" val="3195707383"/>
-      </p:ext>
-    </p:extLst>
   </p:cSld>
   <p:clrMapOvr>
     <a:masterClrMapping/>
@@ -3433,13 +2997,7 @@
       </p:grpSpPr>
       <p:sp>
         <p:nvSpPr>
-          <p:cNvPr id="2" name="Title 1">
-            <a:extLst>
-              <a:ext uri="{FF2B5EF4-FFF2-40B4-BE49-F238E27FC236}">
-                <a16:creationId xmlns:a16="http://schemas.microsoft.com/office/drawing/2014/main" id="{F54DC78A-99B8-7743-B3BC-6BCEFF399C0C}"/>
-              </a:ext>
-            </a:extLst>
-          </p:cNvPr>
+          <p:cNvPr id="2" name="Title 1"/>
           <p:cNvSpPr>
             <a:spLocks noGrp="1"/>
           </p:cNvSpPr>
@@ -3456,18 +3014,13 @@
               <a:rPr lang="en-US" dirty="0"/>
               <a:t>Approach</a:t>
             </a:r>
-          </a:p>
-        </p:txBody>
-      </p:sp>
-      <p:sp>
-        <p:nvSpPr>
-          <p:cNvPr id="3" name="Content Placeholder 2">
-            <a:extLst>
-              <a:ext uri="{FF2B5EF4-FFF2-40B4-BE49-F238E27FC236}">
-                <a16:creationId xmlns:a16="http://schemas.microsoft.com/office/drawing/2014/main" id="{136C38EE-99CE-5445-B8E9-47F7749670DC}"/>
-              </a:ext>
-            </a:extLst>
-          </p:cNvPr>
+            <a:endParaRPr lang="en-US" dirty="0"/>
+          </a:p>
+        </p:txBody>
+      </p:sp>
+      <p:sp>
+        <p:nvSpPr>
+          <p:cNvPr id="3" name="Content Placeholder 2"/>
           <p:cNvSpPr>
             <a:spLocks noGrp="1"/>
           </p:cNvSpPr>
@@ -3480,16 +3033,115 @@
           <a:bodyPr/>
           <a:lstStyle/>
           <a:p>
-            <a:endParaRPr lang="en-US"/>
+            <a:r>
+              <a:rPr lang="" altLang="en-US" sz="1600"/>
+              <a:t>Creating a state of the art optical character recognition system to detect text from curved surfaces</a:t>
+            </a:r>
+            <a:endParaRPr lang="" altLang="en-US" sz="1600"/>
+          </a:p>
+          <a:p>
+            <a:pPr marL="0" indent="0">
+              <a:buNone/>
+            </a:pPr>
+            <a:r>
+              <a:rPr lang="" altLang="en-US" sz="1600"/>
+              <a:t>	a. Multiple types of fonts to be used</a:t>
+            </a:r>
+            <a:endParaRPr lang="" altLang="en-US" sz="1600"/>
+          </a:p>
+          <a:p>
+            <a:pPr marL="0" indent="0">
+              <a:buNone/>
+            </a:pPr>
+            <a:r>
+              <a:rPr lang="" altLang="en-US" sz="1600"/>
+              <a:t>	b. visibility of the text/image_text</a:t>
+            </a:r>
+            <a:endParaRPr lang="" altLang="en-US" sz="1600"/>
+          </a:p>
+          <a:p>
+            <a:pPr marL="0" indent="0">
+              <a:buNone/>
+            </a:pPr>
+            <a:r>
+              <a:rPr lang="" altLang="en-US" sz="1600"/>
+              <a:t>1. Object Detection/Text Detection</a:t>
+            </a:r>
+            <a:endParaRPr lang="" altLang="en-US" sz="1600"/>
+          </a:p>
+          <a:p>
+            <a:pPr marL="0" indent="0">
+              <a:buNone/>
+            </a:pPr>
+            <a:r>
+              <a:rPr lang="" altLang="en-US" sz="1600"/>
+              <a:t>Using R-CNN (in first stage) create a object detection model to identify cells and remove anything which is not a cylindrical body. It is divided into 3 steps</a:t>
+            </a:r>
+            <a:endParaRPr lang="" altLang="en-US" sz="1600"/>
+          </a:p>
+          <a:p>
+            <a:pPr marL="0" indent="0">
+              <a:buNone/>
+            </a:pPr>
+            <a:r>
+              <a:rPr lang="" altLang="en-US" sz="1600"/>
+              <a:t>	a. Detecting the object/cylindrical body [binary classifier]</a:t>
+            </a:r>
+            <a:endParaRPr lang="" altLang="en-US" sz="1600"/>
+          </a:p>
+          <a:p>
+            <a:pPr marL="0" indent="0">
+              <a:buNone/>
+            </a:pPr>
+            <a:r>
+              <a:rPr lang="" altLang="en-US" sz="1600"/>
+              <a:t>	b. Detecting text from the surface [ is the text visible ?]</a:t>
+            </a:r>
+            <a:endParaRPr lang="" altLang="en-US" sz="1600"/>
+          </a:p>
+          <a:p>
+            <a:pPr marL="0" indent="0">
+              <a:buNone/>
+            </a:pPr>
+            <a:r>
+              <a:rPr lang="" altLang="en-US" sz="1600"/>
+              <a:t>	c. flatten the text at the curvature points	</a:t>
+            </a:r>
+            <a:endParaRPr lang="" altLang="en-US" sz="1600"/>
+          </a:p>
+          <a:p>
+            <a:pPr marL="0" indent="0">
+              <a:buNone/>
+            </a:pPr>
+            <a:r>
+              <a:rPr lang="" altLang="en-US" sz="1600"/>
+              <a:t>	</a:t>
+            </a:r>
+            <a:endParaRPr lang="" altLang="en-US" sz="1600"/>
+          </a:p>
+          <a:p>
+            <a:pPr marL="0" indent="0">
+              <a:buNone/>
+            </a:pPr>
+            <a:r>
+              <a:rPr lang="" altLang="en-US" sz="1600"/>
+              <a:t>2. Text Classification</a:t>
+            </a:r>
+            <a:endParaRPr lang="" altLang="en-US" sz="1600"/>
+          </a:p>
+          <a:p>
+            <a:pPr marL="0" indent="0">
+              <a:buNone/>
+            </a:pPr>
+            <a:r>
+              <a:rPr lang="" altLang="en-US" sz="1600"/>
+              <a:t>	Using bi-directional LSTM, predict the text from the images retrieved from part 1</a:t>
+            </a:r>
+            <a:endParaRPr lang="" altLang="en-US" sz="1600"/>
           </a:p>
         </p:txBody>
       </p:sp>
     </p:spTree>
-    <p:extLst>
-      <p:ext uri="{BB962C8B-B14F-4D97-AF65-F5344CB8AC3E}">
-        <p14:creationId xmlns:p14="http://schemas.microsoft.com/office/powerpoint/2010/main" val="156835838"/>
-      </p:ext>
-    </p:extLst>
   </p:cSld>
   <p:clrMapOvr>
     <a:masterClrMapping/>
@@ -3516,13 +3168,7 @@
       </p:grpSpPr>
       <p:sp>
         <p:nvSpPr>
-          <p:cNvPr id="2" name="Title 1">
-            <a:extLst>
-              <a:ext uri="{FF2B5EF4-FFF2-40B4-BE49-F238E27FC236}">
-                <a16:creationId xmlns:a16="http://schemas.microsoft.com/office/drawing/2014/main" id="{859F3CB0-B42D-9C46-B35F-609CC697BC34}"/>
-              </a:ext>
-            </a:extLst>
-          </p:cNvPr>
+          <p:cNvPr id="2" name="Title 1"/>
           <p:cNvSpPr>
             <a:spLocks noGrp="1"/>
           </p:cNvSpPr>
@@ -3539,18 +3185,13 @@
               <a:rPr lang="en-US" dirty="0"/>
               <a:t>So far</a:t>
             </a:r>
-          </a:p>
-        </p:txBody>
-      </p:sp>
-      <p:sp>
-        <p:nvSpPr>
-          <p:cNvPr id="3" name="Content Placeholder 2">
-            <a:extLst>
-              <a:ext uri="{FF2B5EF4-FFF2-40B4-BE49-F238E27FC236}">
-                <a16:creationId xmlns:a16="http://schemas.microsoft.com/office/drawing/2014/main" id="{F7D76C3A-C015-E645-97A0-A79F11DE72E0}"/>
-              </a:ext>
-            </a:extLst>
-          </p:cNvPr>
+            <a:endParaRPr lang="en-US" dirty="0"/>
+          </a:p>
+        </p:txBody>
+      </p:sp>
+      <p:sp>
+        <p:nvSpPr>
+          <p:cNvPr id="3" name="Content Placeholder 2"/>
           <p:cNvSpPr>
             <a:spLocks noGrp="1"/>
           </p:cNvSpPr>
@@ -3563,16 +3204,57 @@
           <a:bodyPr/>
           <a:lstStyle/>
           <a:p>
-            <a:endParaRPr lang="en-US"/>
+            <a:r>
+              <a:rPr lang="" altLang="en-US"/>
+              <a:t>Using bi-directional LSTM - text classifier</a:t>
+            </a:r>
+            <a:r>
+              <a:rPr lang="en-US" altLang="en-US">
+                <a:sym typeface="+mn-ea"/>
+              </a:rPr>
+              <a:t>[</a:t>
+            </a:r>
+            <a:r>
+              <a:rPr lang="" altLang="en-US">
+                <a:sym typeface="+mn-ea"/>
+              </a:rPr>
+              <a:t>3</a:t>
+            </a:r>
+            <a:r>
+              <a:rPr lang="en-US" altLang="en-US">
+                <a:sym typeface="+mn-ea"/>
+              </a:rPr>
+              <a:t>4% Accuracy, on specific type of images]</a:t>
+            </a:r>
+            <a:endParaRPr lang="" altLang="en-US"/>
+          </a:p>
+          <a:p>
+            <a:r>
+              <a:rPr lang="" altLang="en-US"/>
+              <a:t>Using R-CNN - object detection [ used tf object detector api, but issues with integrating it with the other 2 points]</a:t>
+            </a:r>
+            <a:endParaRPr lang="" altLang="en-US"/>
+          </a:p>
+          <a:p>
+            <a:r>
+              <a:rPr lang="" altLang="en-US"/>
+              <a:t>Found a way to solve to detect text from curvatures</a:t>
+            </a:r>
+            <a:endParaRPr lang="" altLang="en-US"/>
+          </a:p>
+          <a:p>
+            <a:r>
+              <a:rPr lang="" altLang="en-US"/>
+              <a:t>Detecting texts, based on blobs, using opencv implementation</a:t>
+            </a:r>
+            <a:endParaRPr lang="" altLang="en-US"/>
+          </a:p>
+          <a:p>
+            <a:endParaRPr lang="" altLang="en-US"/>
           </a:p>
         </p:txBody>
       </p:sp>
     </p:spTree>
-    <p:extLst>
-      <p:ext uri="{BB962C8B-B14F-4D97-AF65-F5344CB8AC3E}">
-        <p14:creationId xmlns:p14="http://schemas.microsoft.com/office/powerpoint/2010/main" val="2789951912"/>
-      </p:ext>
-    </p:extLst>
   </p:cSld>
   <p:clrMapOvr>
     <a:masterClrMapping/>
@@ -3599,13 +3281,7 @@
       </p:grpSpPr>
       <p:sp>
         <p:nvSpPr>
-          <p:cNvPr id="2" name="Title 1">
-            <a:extLst>
-              <a:ext uri="{FF2B5EF4-FFF2-40B4-BE49-F238E27FC236}">
-                <a16:creationId xmlns:a16="http://schemas.microsoft.com/office/drawing/2014/main" id="{0B522E38-F4C4-A549-ACFE-8D5617528ED8}"/>
-              </a:ext>
-            </a:extLst>
-          </p:cNvPr>
+          <p:cNvPr id="2" name="Title 1"/>
           <p:cNvSpPr>
             <a:spLocks noGrp="1"/>
           </p:cNvSpPr>
@@ -3622,28 +3298,17 @@
               <a:rPr lang="en-US" dirty="0"/>
               <a:t>Tasks ahead </a:t>
             </a:r>
+            <a:endParaRPr lang="en-US" dirty="0"/>
           </a:p>
         </p:txBody>
       </p:sp>
       <p:graphicFrame>
         <p:nvGraphicFramePr>
-          <p:cNvPr id="4" name="Table 3">
-            <a:extLst>
-              <a:ext uri="{FF2B5EF4-FFF2-40B4-BE49-F238E27FC236}">
-                <a16:creationId xmlns:a16="http://schemas.microsoft.com/office/drawing/2014/main" id="{0307A78B-2B58-B347-B327-B183833F0033}"/>
-              </a:ext>
-            </a:extLst>
-          </p:cNvPr>
+          <p:cNvPr id="4" name="Table 3"/>
           <p:cNvGraphicFramePr>
             <a:graphicFrameLocks noGrp="1"/>
           </p:cNvGraphicFramePr>
-          <p:nvPr>
-            <p:extLst>
-              <p:ext uri="{D42A27DB-BD31-4B8C-83A1-F6EECF244321}">
-                <p14:modId xmlns:p14="http://schemas.microsoft.com/office/powerpoint/2010/main" val="1136373700"/>
-              </p:ext>
-            </p:extLst>
-          </p:nvPr>
+          <p:nvPr/>
         </p:nvGraphicFramePr>
         <p:xfrm>
           <a:off x="918817" y="2240352"/>
@@ -3656,29 +3321,11 @@
                 <a:tableStyleId>{5C22544A-7EE6-4342-B048-85BDC9FD1C3A}</a:tableStyleId>
               </a:tblPr>
               <a:tblGrid>
-                <a:gridCol w="3092910">
-                  <a:extLst>
-                    <a:ext uri="{9D8B030D-6E8A-4147-A177-3AD203B41FA5}">
-                      <a16:colId xmlns:a16="http://schemas.microsoft.com/office/drawing/2014/main" val="124740460"/>
-                    </a:ext>
-                  </a:extLst>
-                </a:gridCol>
-                <a:gridCol w="3092910">
-                  <a:extLst>
-                    <a:ext uri="{9D8B030D-6E8A-4147-A177-3AD203B41FA5}">
-                      <a16:colId xmlns:a16="http://schemas.microsoft.com/office/drawing/2014/main" val="713719403"/>
-                    </a:ext>
-                  </a:extLst>
-                </a:gridCol>
-                <a:gridCol w="3092910">
-                  <a:extLst>
-                    <a:ext uri="{9D8B030D-6E8A-4147-A177-3AD203B41FA5}">
-                      <a16:colId xmlns:a16="http://schemas.microsoft.com/office/drawing/2014/main" val="164571033"/>
-                    </a:ext>
-                  </a:extLst>
-                </a:gridCol>
+                <a:gridCol w="3092910"/>
+                <a:gridCol w="3092910"/>
+                <a:gridCol w="3092910"/>
               </a:tblGrid>
-              <a:tr h="760650">
+              <a:tr h="760730">
                 <a:tc>
                   <a:txBody>
                     <a:bodyPr/>
@@ -3688,6 +3335,7 @@
                         <a:rPr lang="en-US" dirty="0"/>
                         <a:t>Task</a:t>
                       </a:r>
+                      <a:endParaRPr lang="en-US" dirty="0"/>
                     </a:p>
                   </a:txBody>
                   <a:tcPr/>
@@ -3701,6 +3349,7 @@
                         <a:rPr lang="en-US" dirty="0"/>
                         <a:t>Effort estimate</a:t>
                       </a:r>
+                      <a:endParaRPr lang="en-US" dirty="0"/>
                     </a:p>
                   </a:txBody>
                   <a:tcPr/>
@@ -3714,15 +3363,11 @@
                         <a:rPr lang="en-US" dirty="0"/>
                         <a:t>Percentage of Completion </a:t>
                       </a:r>
+                      <a:endParaRPr lang="en-US" dirty="0"/>
                     </a:p>
                   </a:txBody>
                   <a:tcPr/>
                 </a:tc>
-                <a:extLst>
-                  <a:ext uri="{0D108BD9-81ED-4DB2-BD59-A6C34878D82A}">
-                    <a16:rowId xmlns:a16="http://schemas.microsoft.com/office/drawing/2014/main" val="3493128969"/>
-                  </a:ext>
-                </a:extLst>
               </a:tr>
               <a:tr h="760650">
                 <a:tc>
@@ -3730,7 +3375,11 @@
                     <a:bodyPr/>
                     <a:lstStyle/>
                     <a:p>
-                      <a:endParaRPr lang="en-US"/>
+                      <a:r>
+                        <a:rPr lang="" altLang="en-US"/>
+                        <a:t>Labelling, annotation images</a:t>
+                      </a:r>
+                      <a:endParaRPr lang="" altLang="en-US"/>
                     </a:p>
                   </a:txBody>
                   <a:tcPr/>
@@ -3740,7 +3389,11 @@
                     <a:bodyPr/>
                     <a:lstStyle/>
                     <a:p>
-                      <a:endParaRPr lang="en-US"/>
+                      <a:r>
+                        <a:rPr lang="" altLang="en-US"/>
+                        <a:t>Do not know</a:t>
+                      </a:r>
+                      <a:endParaRPr lang="" altLang="en-US"/>
                     </a:p>
                   </a:txBody>
                   <a:tcPr/>
@@ -3750,16 +3403,15 @@
                     <a:bodyPr/>
                     <a:lstStyle/>
                     <a:p>
-                      <a:endParaRPr lang="en-US"/>
+                      <a:r>
+                        <a:rPr lang="" altLang="en-US"/>
+                        <a:t>None</a:t>
+                      </a:r>
+                      <a:endParaRPr lang="" altLang="en-US"/>
                     </a:p>
                   </a:txBody>
                   <a:tcPr/>
                 </a:tc>
-                <a:extLst>
-                  <a:ext uri="{0D108BD9-81ED-4DB2-BD59-A6C34878D82A}">
-                    <a16:rowId xmlns:a16="http://schemas.microsoft.com/office/drawing/2014/main" val="402947808"/>
-                  </a:ext>
-                </a:extLst>
               </a:tr>
               <a:tr h="760650">
                 <a:tc>
@@ -3767,7 +3419,21 @@
                     <a:bodyPr/>
                     <a:lstStyle/>
                     <a:p>
-                      <a:endParaRPr lang="en-US"/>
+                      <a:r>
+                        <a:rPr lang="" altLang="en-US"/>
+                        <a:t>Extract text from Curved surfaces</a:t>
+                      </a:r>
+                      <a:endParaRPr lang="" altLang="en-US"/>
+                    </a:p>
+                    <a:p>
+                      <a:endParaRPr lang="" altLang="en-US"/>
+                    </a:p>
+                    <a:p>
+                      <a:r>
+                        <a:rPr lang="" altLang="en-US"/>
+                        <a:t>Improve efficiancy after having a more images to train</a:t>
+                      </a:r>
+                      <a:endParaRPr lang="" altLang="en-US"/>
                     </a:p>
                   </a:txBody>
                   <a:tcPr/>
@@ -3792,22 +3458,12 @@
                   </a:txBody>
                   <a:tcPr/>
                 </a:tc>
-                <a:extLst>
-                  <a:ext uri="{0D108BD9-81ED-4DB2-BD59-A6C34878D82A}">
-                    <a16:rowId xmlns:a16="http://schemas.microsoft.com/office/drawing/2014/main" val="2143153774"/>
-                  </a:ext>
-                </a:extLst>
               </a:tr>
             </a:tbl>
           </a:graphicData>
         </a:graphic>
       </p:graphicFrame>
     </p:spTree>
-    <p:extLst>
-      <p:ext uri="{BB962C8B-B14F-4D97-AF65-F5344CB8AC3E}">
-        <p14:creationId xmlns:p14="http://schemas.microsoft.com/office/powerpoint/2010/main" val="3992409506"/>
-      </p:ext>
-    </p:extLst>
   </p:cSld>
   <p:clrMapOvr>
     <a:masterClrMapping/>
@@ -3858,7 +3514,7 @@
     </a:clrScheme>
     <a:fontScheme name="Office">
       <a:majorFont>
-        <a:latin typeface="Calibri Light" panose="020F0302020204030204"/>
+        <a:latin typeface="Calibri Light"/>
         <a:ea typeface=""/>
         <a:cs typeface=""/>
         <a:font script="Jpan" typeface="游ゴシック Light"/>
@@ -3891,26 +3547,9 @@
         <a:font script="Viet" typeface="Times New Roman"/>
         <a:font script="Uigh" typeface="Microsoft Uighur"/>
         <a:font script="Geor" typeface="Sylfaen"/>
-        <a:font script="Armn" typeface="Arial"/>
-        <a:font script="Bugi" typeface="Leelawadee UI"/>
-        <a:font script="Bopo" typeface="Microsoft JhengHei"/>
-        <a:font script="Java" typeface="Javanese Text"/>
-        <a:font script="Lisu" typeface="Segoe UI"/>
-        <a:font script="Mymr" typeface="Myanmar Text"/>
-        <a:font script="Nkoo" typeface="Ebrima"/>
-        <a:font script="Olck" typeface="Nirmala UI"/>
-        <a:font script="Osma" typeface="Ebrima"/>
-        <a:font script="Phag" typeface="Phagspa"/>
-        <a:font script="Syrn" typeface="Estrangelo Edessa"/>
-        <a:font script="Syrj" typeface="Estrangelo Edessa"/>
-        <a:font script="Syre" typeface="Estrangelo Edessa"/>
-        <a:font script="Sora" typeface="Nirmala UI"/>
-        <a:font script="Tale" typeface="Microsoft Tai Le"/>
-        <a:font script="Talu" typeface="Microsoft New Tai Lue"/>
-        <a:font script="Tfng" typeface="Ebrima"/>
       </a:majorFont>
       <a:minorFont>
-        <a:latin typeface="Calibri" panose="020F0502020204030204"/>
+        <a:latin typeface="Calibri"/>
         <a:ea typeface=""/>
         <a:cs typeface=""/>
         <a:font script="Jpan" typeface="游ゴシック"/>
@@ -3943,23 +3582,6 @@
         <a:font script="Viet" typeface="Arial"/>
         <a:font script="Uigh" typeface="Microsoft Uighur"/>
         <a:font script="Geor" typeface="Sylfaen"/>
-        <a:font script="Armn" typeface="Arial"/>
-        <a:font script="Bugi" typeface="Leelawadee UI"/>
-        <a:font script="Bopo" typeface="Microsoft JhengHei"/>
-        <a:font script="Java" typeface="Javanese Text"/>
-        <a:font script="Lisu" typeface="Segoe UI"/>
-        <a:font script="Mymr" typeface="Myanmar Text"/>
-        <a:font script="Nkoo" typeface="Ebrima"/>
-        <a:font script="Olck" typeface="Nirmala UI"/>
-        <a:font script="Osma" typeface="Ebrima"/>
-        <a:font script="Phag" typeface="Phagspa"/>
-        <a:font script="Syrn" typeface="Estrangelo Edessa"/>
-        <a:font script="Syrj" typeface="Estrangelo Edessa"/>
-        <a:font script="Syre" typeface="Estrangelo Edessa"/>
-        <a:font script="Sora" typeface="Nirmala UI"/>
-        <a:font script="Tale" typeface="Microsoft Tai Le"/>
-        <a:font script="Talu" typeface="Microsoft New Tai Lue"/>
-        <a:font script="Tfng" typeface="Ebrima"/>
       </a:minorFont>
     </a:fontScheme>
     <a:fmtScheme name="Office">
@@ -4100,8 +3722,6 @@
       </a:bgFillStyleLst>
     </a:fmtScheme>
   </a:themeElements>
-  <a:objectDefaults/>
-  <a:extraClrSchemeLst/>
   <a:extLst>
     <a:ext uri="{05A4C25C-085E-4340-85A3-A5531E510DB2}">
       <thm15:themeFamily xmlns:thm15="http://schemas.microsoft.com/office/thememl/2012/main" name="Office Theme" id="{62F939B6-93AF-4DB8-9C6B-D6C7DFDC589F}" vid="{4A3C46E8-61CC-4603-A589-7422A47A8E4A}"/>
